--- a/img/Images_PythonLesmateriaal.pptx
+++ b/img/Images_PythonLesmateriaal.pptx
@@ -172,6 +172,58 @@
 </p:presentation>
 </file>
 
+<file path=ppt/changesInfos/changesInfo1.xml><?xml version="1.0" encoding="utf-8"?>
+<pc:chgInfo xmlns:a="http://schemas.openxmlformats.org/drawingml/2006/main" xmlns:r="http://schemas.openxmlformats.org/officeDocument/2006/relationships" xmlns:ac="http://schemas.microsoft.com/office/drawing/2013/main/command" xmlns:pc="http://schemas.microsoft.com/office/powerpoint/2013/main/command">
+  <pc:docChgLst>
+    <pc:chgData name="Renske Weeda" userId="2bb3a334-ad20-45a8-9a29-e7c9fd7c3c06" providerId="ADAL" clId="{0B5BEB02-6D2F-4F5E-9B76-C3B9EBD8736A}"/>
+    <pc:docChg chg="modSld">
+      <pc:chgData name="Renske Weeda" userId="2bb3a334-ad20-45a8-9a29-e7c9fd7c3c06" providerId="ADAL" clId="{0B5BEB02-6D2F-4F5E-9B76-C3B9EBD8736A}" dt="2026-02-06T06:37:42.726" v="3" actId="732"/>
+      <pc:docMkLst>
+        <pc:docMk/>
+      </pc:docMkLst>
+      <pc:sldChg chg="modSp mod">
+        <pc:chgData name="Renske Weeda" userId="2bb3a334-ad20-45a8-9a29-e7c9fd7c3c06" providerId="ADAL" clId="{0B5BEB02-6D2F-4F5E-9B76-C3B9EBD8736A}" dt="2026-02-06T06:36:57.717" v="0" actId="20577"/>
+        <pc:sldMkLst>
+          <pc:docMk/>
+          <pc:sldMk cId="2323986757" sldId="283"/>
+        </pc:sldMkLst>
+        <pc:spChg chg="mod">
+          <ac:chgData name="Renske Weeda" userId="2bb3a334-ad20-45a8-9a29-e7c9fd7c3c06" providerId="ADAL" clId="{0B5BEB02-6D2F-4F5E-9B76-C3B9EBD8736A}" dt="2026-02-06T06:36:57.717" v="0" actId="20577"/>
+          <ac:spMkLst>
+            <pc:docMk/>
+            <pc:sldMk cId="2323986757" sldId="283"/>
+            <ac:spMk id="8" creationId="{8D42FD04-E1E0-FF1D-F590-3D02FD0111CA}"/>
+          </ac:spMkLst>
+        </pc:spChg>
+      </pc:sldChg>
+      <pc:sldChg chg="modSp mod">
+        <pc:chgData name="Renske Weeda" userId="2bb3a334-ad20-45a8-9a29-e7c9fd7c3c06" providerId="ADAL" clId="{0B5BEB02-6D2F-4F5E-9B76-C3B9EBD8736A}" dt="2026-02-06T06:37:42.726" v="3" actId="732"/>
+        <pc:sldMkLst>
+          <pc:docMk/>
+          <pc:sldMk cId="2011164985" sldId="284"/>
+        </pc:sldMkLst>
+        <pc:spChg chg="mod">
+          <ac:chgData name="Renske Weeda" userId="2bb3a334-ad20-45a8-9a29-e7c9fd7c3c06" providerId="ADAL" clId="{0B5BEB02-6D2F-4F5E-9B76-C3B9EBD8736A}" dt="2026-02-06T06:37:27.253" v="2" actId="14100"/>
+          <ac:spMkLst>
+            <pc:docMk/>
+            <pc:sldMk cId="2011164985" sldId="284"/>
+            <ac:spMk id="5" creationId="{EB3CA615-993D-BF75-BEB2-3288FA70C1F1}"/>
+          </ac:spMkLst>
+        </pc:spChg>
+        <pc:picChg chg="mod modCrop">
+          <ac:chgData name="Renske Weeda" userId="2bb3a334-ad20-45a8-9a29-e7c9fd7c3c06" providerId="ADAL" clId="{0B5BEB02-6D2F-4F5E-9B76-C3B9EBD8736A}" dt="2026-02-06T06:37:42.726" v="3" actId="732"/>
+          <ac:picMkLst>
+            <pc:docMk/>
+            <pc:sldMk cId="2011164985" sldId="284"/>
+            <ac:picMk id="8" creationId="{D4456688-646E-3ACE-D373-65BA5CD4C25C}"/>
+          </ac:picMkLst>
+        </pc:picChg>
+      </pc:sldChg>
+    </pc:docChg>
+  </pc:docChgLst>
+</pc:chgInfo>
+</file>
+
 <file path=ppt/notesMasters/notesMaster1.xml><?xml version="1.0" encoding="utf-8"?>
 <p:notesMaster xmlns:a="http://schemas.openxmlformats.org/drawingml/2006/main" xmlns:r="http://schemas.openxmlformats.org/officeDocument/2006/relationships" xmlns:p="http://schemas.openxmlformats.org/presentationml/2006/main">
   <p:cSld>
@@ -254,7 +306,7 @@
           <a:p>
             <a:fld id="{7DB59C1F-92D0-4DD2-8202-1686B4D62C9C}" type="datetimeFigureOut">
               <a:rPr lang="nl-NL" smtClean="0"/>
-              <a:t>12-5-2024</a:t>
+              <a:t>6-2-2026</a:t>
             </a:fld>
             <a:endParaRPr lang="nl-NL"/>
           </a:p>
@@ -660,7 +712,7 @@
                 </a:solidFill>
               </a:rPr>
               <a:pPr/>
-              <a:t>12-5-2024</a:t>
+              <a:t>6-2-2026</a:t>
             </a:fld>
             <a:endParaRPr lang="nl-NL">
               <a:solidFill>
@@ -862,7 +914,7 @@
                 </a:solidFill>
               </a:rPr>
               <a:pPr/>
-              <a:t>12-5-2024</a:t>
+              <a:t>6-2-2026</a:t>
             </a:fld>
             <a:endParaRPr lang="nl-NL">
               <a:solidFill>
@@ -1074,7 +1126,7 @@
                 </a:solidFill>
               </a:rPr>
               <a:pPr/>
-              <a:t>12-5-2024</a:t>
+              <a:t>6-2-2026</a:t>
             </a:fld>
             <a:endParaRPr lang="nl-NL">
               <a:solidFill>
@@ -1276,7 +1328,7 @@
                 </a:solidFill>
               </a:rPr>
               <a:pPr/>
-              <a:t>12-5-2024</a:t>
+              <a:t>6-2-2026</a:t>
             </a:fld>
             <a:endParaRPr lang="nl-NL">
               <a:solidFill>
@@ -1554,7 +1606,7 @@
                 </a:solidFill>
               </a:rPr>
               <a:pPr/>
-              <a:t>12-5-2024</a:t>
+              <a:t>6-2-2026</a:t>
             </a:fld>
             <a:endParaRPr lang="nl-NL">
               <a:solidFill>
@@ -1818,7 +1870,7 @@
                 </a:solidFill>
               </a:rPr>
               <a:pPr/>
-              <a:t>12-5-2024</a:t>
+              <a:t>6-2-2026</a:t>
             </a:fld>
             <a:endParaRPr lang="nl-NL">
               <a:solidFill>
@@ -2217,7 +2269,7 @@
                 </a:solidFill>
               </a:rPr>
               <a:pPr/>
-              <a:t>12-5-2024</a:t>
+              <a:t>6-2-2026</a:t>
             </a:fld>
             <a:endParaRPr lang="nl-NL">
               <a:solidFill>
@@ -2367,7 +2419,7 @@
                 </a:solidFill>
               </a:rPr>
               <a:pPr/>
-              <a:t>12-5-2024</a:t>
+              <a:t>6-2-2026</a:t>
             </a:fld>
             <a:endParaRPr lang="nl-NL">
               <a:solidFill>
@@ -2494,7 +2546,7 @@
                 </a:solidFill>
               </a:rPr>
               <a:pPr/>
-              <a:t>12-5-2024</a:t>
+              <a:t>6-2-2026</a:t>
             </a:fld>
             <a:endParaRPr lang="nl-NL">
               <a:solidFill>
@@ -2803,7 +2855,7 @@
                 </a:solidFill>
               </a:rPr>
               <a:pPr/>
-              <a:t>12-5-2024</a:t>
+              <a:t>6-2-2026</a:t>
             </a:fld>
             <a:endParaRPr lang="nl-NL">
               <a:solidFill>
@@ -3088,7 +3140,7 @@
                 </a:solidFill>
               </a:rPr>
               <a:pPr/>
-              <a:t>12-5-2024</a:t>
+              <a:t>6-2-2026</a:t>
             </a:fld>
             <a:endParaRPr lang="nl-NL">
               <a:solidFill>
@@ -3333,7 +3385,7 @@
                 </a:solidFill>
               </a:rPr>
               <a:pPr/>
-              <a:t>12-5-2024</a:t>
+              <a:t>6-2-2026</a:t>
             </a:fld>
             <a:endParaRPr lang="nl-NL">
               <a:solidFill>
@@ -4011,7 +4063,7 @@
                   <a:schemeClr val="tx1"/>
                 </a:solidFill>
               </a:rPr>
-              <a:t>Programmauitvoer</a:t>
+              <a:t>Programma-uitvoer</a:t>
             </a:r>
             <a:endParaRPr lang="en-NL" dirty="0">
               <a:solidFill>
@@ -20677,6 +20729,7 @@
         </p:nvPicPr>
         <p:blipFill>
           <a:blip r:embed="rId2"/>
+          <a:srcRect b="19480"/>
           <a:stretch>
             <a:fillRect/>
           </a:stretch>
@@ -20684,7 +20737,7 @@
         <p:spPr>
           <a:xfrm>
             <a:off x="1356508" y="2149500"/>
-            <a:ext cx="5896798" cy="2219635"/>
+            <a:ext cx="5896798" cy="1787255"/>
           </a:xfrm>
           <a:prstGeom prst="rect">
             <a:avLst/>
@@ -20774,7 +20827,7 @@
         <p:spPr>
           <a:xfrm>
             <a:off x="5730877" y="3429000"/>
-            <a:ext cx="2036810" cy="507755"/>
+            <a:ext cx="2154964" cy="507755"/>
           </a:xfrm>
           <a:prstGeom prst="wedgeRoundRectCallout">
             <a:avLst>
@@ -20817,7 +20870,7 @@
                   <a:schemeClr val="tx1"/>
                 </a:solidFill>
               </a:rPr>
-              <a:t>Programmauitvoer</a:t>
+              <a:t>Programma-uitvoer</a:t>
             </a:r>
             <a:endParaRPr lang="en-NL" dirty="0">
               <a:solidFill>
